--- a/Documents/ClaimCycle/Processes/createClaimBatch.pptx
+++ b/Documents/ClaimCycle/Processes/createClaimBatch.pptx
@@ -7,7 +7,7 @@
   <p:sldIdLst>
     <p:sldId id="257" r:id="rId2"/>
   </p:sldIdLst>
-  <p:sldSz cx="6858000" cy="9144000" type="screen4x3"/>
+  <p:sldSz cx="9144000" cy="6858000" type="screen4x3"/>
   <p:notesSz cx="6954838" cy="9309100"/>
   <p:defaultTextStyle>
     <a:defPPr>
@@ -136,8 +136,8 @@
         </p:nvSpPr>
         <p:spPr>
           <a:xfrm>
-            <a:off x="514350" y="2840568"/>
-            <a:ext cx="5829300" cy="1960033"/>
+            <a:off x="685800" y="2130426"/>
+            <a:ext cx="7772400" cy="1470025"/>
           </a:xfrm>
         </p:spPr>
         <p:txBody>
@@ -164,8 +164,8 @@
         </p:nvSpPr>
         <p:spPr>
           <a:xfrm>
-            <a:off x="1028700" y="5181600"/>
-            <a:ext cx="4800600" cy="2336800"/>
+            <a:off x="1371600" y="3886200"/>
+            <a:ext cx="6400800" cy="1752600"/>
           </a:xfrm>
         </p:spPr>
         <p:txBody>
@@ -548,8 +548,8 @@
         </p:nvSpPr>
         <p:spPr>
           <a:xfrm>
-            <a:off x="4972050" y="366185"/>
-            <a:ext cx="1543050" cy="7802033"/>
+            <a:off x="6629400" y="274639"/>
+            <a:ext cx="2057400" cy="5851525"/>
           </a:xfrm>
         </p:spPr>
         <p:txBody>
@@ -576,8 +576,8 @@
         </p:nvSpPr>
         <p:spPr>
           <a:xfrm>
-            <a:off x="342900" y="366185"/>
-            <a:ext cx="4514850" cy="7802033"/>
+            <a:off x="457200" y="274639"/>
+            <a:ext cx="6019800" cy="5851525"/>
           </a:xfrm>
         </p:spPr>
         <p:txBody>
@@ -898,8 +898,8 @@
         </p:nvSpPr>
         <p:spPr>
           <a:xfrm>
-            <a:off x="541735" y="5875867"/>
-            <a:ext cx="5829300" cy="1816100"/>
+            <a:off x="722313" y="4406900"/>
+            <a:ext cx="7772400" cy="1362075"/>
           </a:xfrm>
         </p:spPr>
         <p:txBody>
@@ -930,8 +930,8 @@
         </p:nvSpPr>
         <p:spPr>
           <a:xfrm>
-            <a:off x="541735" y="3875618"/>
-            <a:ext cx="5829300" cy="2000249"/>
+            <a:off x="722313" y="2906714"/>
+            <a:ext cx="7772400" cy="1500187"/>
           </a:xfrm>
         </p:spPr>
         <p:txBody>
@@ -1167,8 +1167,8 @@
         </p:nvSpPr>
         <p:spPr>
           <a:xfrm>
-            <a:off x="342900" y="2133601"/>
-            <a:ext cx="3028950" cy="6034617"/>
+            <a:off x="457200" y="1600201"/>
+            <a:ext cx="4038600" cy="4525963"/>
           </a:xfrm>
         </p:spPr>
         <p:txBody>
@@ -1252,8 +1252,8 @@
         </p:nvSpPr>
         <p:spPr>
           <a:xfrm>
-            <a:off x="3486150" y="2133601"/>
-            <a:ext cx="3028950" cy="6034617"/>
+            <a:off x="4648200" y="1600201"/>
+            <a:ext cx="4038600" cy="4525963"/>
           </a:xfrm>
         </p:spPr>
         <p:txBody>
@@ -1459,8 +1459,8 @@
         </p:nvSpPr>
         <p:spPr>
           <a:xfrm>
-            <a:off x="342900" y="2046817"/>
-            <a:ext cx="3030141" cy="853016"/>
+            <a:off x="457201" y="1535113"/>
+            <a:ext cx="4040188" cy="639762"/>
           </a:xfrm>
         </p:spPr>
         <p:txBody>
@@ -1524,8 +1524,8 @@
         </p:nvSpPr>
         <p:spPr>
           <a:xfrm>
-            <a:off x="342900" y="2899833"/>
-            <a:ext cx="3030141" cy="5268384"/>
+            <a:off x="457201" y="2174875"/>
+            <a:ext cx="4040188" cy="3951288"/>
           </a:xfrm>
         </p:spPr>
         <p:txBody>
@@ -1609,8 +1609,8 @@
         </p:nvSpPr>
         <p:spPr>
           <a:xfrm>
-            <a:off x="3483769" y="2046817"/>
-            <a:ext cx="3031331" cy="853016"/>
+            <a:off x="4645026" y="1535113"/>
+            <a:ext cx="4041775" cy="639762"/>
           </a:xfrm>
         </p:spPr>
         <p:txBody>
@@ -1674,8 +1674,8 @@
         </p:nvSpPr>
         <p:spPr>
           <a:xfrm>
-            <a:off x="3483769" y="2899833"/>
-            <a:ext cx="3031331" cy="5268384"/>
+            <a:off x="4645026" y="2174875"/>
+            <a:ext cx="4041775" cy="3951288"/>
           </a:xfrm>
         </p:spPr>
         <p:txBody>
@@ -2067,8 +2067,8 @@
         </p:nvSpPr>
         <p:spPr>
           <a:xfrm>
-            <a:off x="342900" y="364067"/>
-            <a:ext cx="2256235" cy="1549400"/>
+            <a:off x="457201" y="273050"/>
+            <a:ext cx="3008313" cy="1162050"/>
           </a:xfrm>
         </p:spPr>
         <p:txBody>
@@ -2099,8 +2099,8 @@
         </p:nvSpPr>
         <p:spPr>
           <a:xfrm>
-            <a:off x="2681287" y="364067"/>
-            <a:ext cx="3833813" cy="7804151"/>
+            <a:off x="3575050" y="273051"/>
+            <a:ext cx="5111751" cy="5853113"/>
           </a:xfrm>
         </p:spPr>
         <p:txBody>
@@ -2184,8 +2184,8 @@
         </p:nvSpPr>
         <p:spPr>
           <a:xfrm>
-            <a:off x="342900" y="1913467"/>
-            <a:ext cx="2256235" cy="6254751"/>
+            <a:off x="457201" y="1435101"/>
+            <a:ext cx="3008313" cy="4691063"/>
           </a:xfrm>
         </p:spPr>
         <p:txBody>
@@ -2344,8 +2344,8 @@
         </p:nvSpPr>
         <p:spPr>
           <a:xfrm>
-            <a:off x="1344216" y="6400800"/>
-            <a:ext cx="4114800" cy="755651"/>
+            <a:off x="1792288" y="4800601"/>
+            <a:ext cx="5486400" cy="566738"/>
           </a:xfrm>
         </p:spPr>
         <p:txBody>
@@ -2376,8 +2376,8 @@
         </p:nvSpPr>
         <p:spPr>
           <a:xfrm>
-            <a:off x="1344216" y="817033"/>
-            <a:ext cx="4114800" cy="5486400"/>
+            <a:off x="1792288" y="612775"/>
+            <a:ext cx="5486400" cy="4114800"/>
           </a:xfrm>
         </p:spPr>
         <p:txBody>
@@ -2437,8 +2437,8 @@
         </p:nvSpPr>
         <p:spPr>
           <a:xfrm>
-            <a:off x="1344216" y="7156451"/>
-            <a:ext cx="4114800" cy="1073149"/>
+            <a:off x="1792288" y="5367339"/>
+            <a:ext cx="5486400" cy="804862"/>
           </a:xfrm>
         </p:spPr>
         <p:txBody>
@@ -2602,8 +2602,8 @@
         </p:nvSpPr>
         <p:spPr>
           <a:xfrm>
-            <a:off x="342900" y="366184"/>
-            <a:ext cx="6172200" cy="1524000"/>
+            <a:off x="457200" y="274638"/>
+            <a:ext cx="8229600" cy="1143000"/>
           </a:xfrm>
           <a:prstGeom prst="rect">
             <a:avLst/>
@@ -2635,8 +2635,8 @@
         </p:nvSpPr>
         <p:spPr>
           <a:xfrm>
-            <a:off x="342900" y="2133601"/>
-            <a:ext cx="6172200" cy="6034617"/>
+            <a:off x="457200" y="1600201"/>
+            <a:ext cx="8229600" cy="4525963"/>
           </a:xfrm>
           <a:prstGeom prst="rect">
             <a:avLst/>
@@ -2697,8 +2697,8 @@
         </p:nvSpPr>
         <p:spPr>
           <a:xfrm>
-            <a:off x="342900" y="8475134"/>
-            <a:ext cx="1600200" cy="486833"/>
+            <a:off x="457200" y="6356351"/>
+            <a:ext cx="2133600" cy="365125"/>
           </a:xfrm>
           <a:prstGeom prst="rect">
             <a:avLst/>
@@ -2738,8 +2738,8 @@
         </p:nvSpPr>
         <p:spPr>
           <a:xfrm>
-            <a:off x="2343150" y="8475134"/>
-            <a:ext cx="2171700" cy="486833"/>
+            <a:off x="3124200" y="6356351"/>
+            <a:ext cx="2895600" cy="365125"/>
           </a:xfrm>
           <a:prstGeom prst="rect">
             <a:avLst/>
@@ -2775,8 +2775,8 @@
         </p:nvSpPr>
         <p:spPr>
           <a:xfrm>
-            <a:off x="4914900" y="8475134"/>
-            <a:ext cx="1600200" cy="486833"/>
+            <a:off x="6553200" y="6356351"/>
+            <a:ext cx="2133600" cy="365125"/>
           </a:xfrm>
           <a:prstGeom prst="rect">
             <a:avLst/>
@@ -3103,8 +3103,8 @@
         </p:nvSpPr>
         <p:spPr>
           <a:xfrm>
-            <a:off x="0" y="203200"/>
-            <a:ext cx="6857999" cy="369332"/>
+            <a:off x="1" y="152400"/>
+            <a:ext cx="9143999" cy="369332"/>
           </a:xfrm>
           <a:prstGeom prst="rect">
             <a:avLst/>
@@ -3134,8 +3134,8 @@
         </p:nvSpPr>
         <p:spPr>
           <a:xfrm>
-            <a:off x="1767840" y="1524000"/>
-            <a:ext cx="3261360" cy="457200"/>
+            <a:off x="2357120" y="1143000"/>
+            <a:ext cx="4348480" cy="457200"/>
           </a:xfrm>
           <a:prstGeom prst="rect">
             <a:avLst/>
@@ -3178,8 +3178,8 @@
         </p:nvSpPr>
         <p:spPr>
           <a:xfrm>
-            <a:off x="457200" y="5638800"/>
-            <a:ext cx="1937128" cy="457200"/>
+            <a:off x="609600" y="4229100"/>
+            <a:ext cx="2582837" cy="342900"/>
           </a:xfrm>
           <a:prstGeom prst="rect">
             <a:avLst/>
@@ -3222,8 +3222,8 @@
         </p:nvSpPr>
         <p:spPr>
           <a:xfrm>
-            <a:off x="457200" y="7010400"/>
-            <a:ext cx="1937128" cy="457200"/>
+            <a:off x="609600" y="5257800"/>
+            <a:ext cx="2582837" cy="342900"/>
           </a:xfrm>
           <a:prstGeom prst="rect">
             <a:avLst/>
@@ -3266,8 +3266,8 @@
         </p:nvSpPr>
         <p:spPr>
           <a:xfrm>
-            <a:off x="1751364" y="2895600"/>
-            <a:ext cx="3261360" cy="457200"/>
+            <a:off x="2335152" y="2171700"/>
+            <a:ext cx="4348480" cy="457200"/>
           </a:xfrm>
           <a:prstGeom prst="rect">
             <a:avLst/>
@@ -3310,8 +3310,8 @@
         </p:nvSpPr>
         <p:spPr>
           <a:xfrm>
-            <a:off x="4082672" y="5638800"/>
-            <a:ext cx="1937128" cy="457200"/>
+            <a:off x="5443563" y="4229100"/>
+            <a:ext cx="2582837" cy="342900"/>
           </a:xfrm>
           <a:prstGeom prst="rect">
             <a:avLst/>
@@ -3354,8 +3354,8 @@
         </p:nvSpPr>
         <p:spPr>
           <a:xfrm>
-            <a:off x="685800" y="4648200"/>
-            <a:ext cx="1937128" cy="369332"/>
+            <a:off x="914400" y="3486150"/>
+            <a:ext cx="2582837" cy="369332"/>
           </a:xfrm>
           <a:prstGeom prst="rect">
             <a:avLst/>
@@ -3384,8 +3384,8 @@
         </p:nvSpPr>
         <p:spPr>
           <a:xfrm>
-            <a:off x="4191000" y="4659868"/>
-            <a:ext cx="1937128" cy="369332"/>
+            <a:off x="5588000" y="3494901"/>
+            <a:ext cx="2582837" cy="369332"/>
           </a:xfrm>
           <a:prstGeom prst="rect">
             <a:avLst/>
@@ -3414,8 +3414,8 @@
         </p:nvSpPr>
         <p:spPr>
           <a:xfrm>
-            <a:off x="4082672" y="7010400"/>
-            <a:ext cx="1937128" cy="685800"/>
+            <a:off x="5443563" y="5257800"/>
+            <a:ext cx="2582837" cy="514350"/>
           </a:xfrm>
           <a:prstGeom prst="rect">
             <a:avLst/>
